--- a/img/portfolio/Edit Img PPT.pptx
+++ b/img/portfolio/Edit Img PPT.pptx
@@ -7,6 +7,7 @@
   <p:sldIdLst>
     <p:sldId id="256" r:id="rId2"/>
     <p:sldId id="257" r:id="rId3"/>
+    <p:sldId id="258" r:id="rId4"/>
   </p:sldIdLst>
   <p:sldSz cx="9144000" cy="6858000" type="screen4x3"/>
   <p:notesSz cx="6858000" cy="9144000"/>
@@ -289,7 +290,7 @@
           <a:p>
             <a:fld id="{3D15C72F-0BC4-3746-8686-2093721CBB78}" type="datetimeFigureOut">
               <a:rPr lang="en-US" smtClean="0"/>
-              <a:t>4/19/17</a:t>
+              <a:t>5/3/17</a:t>
             </a:fld>
             <a:endParaRPr lang="en-US"/>
           </a:p>
@@ -459,7 +460,7 @@
           <a:p>
             <a:fld id="{3D15C72F-0BC4-3746-8686-2093721CBB78}" type="datetimeFigureOut">
               <a:rPr lang="en-US" smtClean="0"/>
-              <a:t>4/19/17</a:t>
+              <a:t>5/3/17</a:t>
             </a:fld>
             <a:endParaRPr lang="en-US"/>
           </a:p>
@@ -639,7 +640,7 @@
           <a:p>
             <a:fld id="{3D15C72F-0BC4-3746-8686-2093721CBB78}" type="datetimeFigureOut">
               <a:rPr lang="en-US" smtClean="0"/>
-              <a:t>4/19/17</a:t>
+              <a:t>5/3/17</a:t>
             </a:fld>
             <a:endParaRPr lang="en-US"/>
           </a:p>
@@ -809,7 +810,7 @@
           <a:p>
             <a:fld id="{3D15C72F-0BC4-3746-8686-2093721CBB78}" type="datetimeFigureOut">
               <a:rPr lang="en-US" smtClean="0"/>
-              <a:t>4/19/17</a:t>
+              <a:t>5/3/17</a:t>
             </a:fld>
             <a:endParaRPr lang="en-US"/>
           </a:p>
@@ -1055,7 +1056,7 @@
           <a:p>
             <a:fld id="{3D15C72F-0BC4-3746-8686-2093721CBB78}" type="datetimeFigureOut">
               <a:rPr lang="en-US" smtClean="0"/>
-              <a:t>4/19/17</a:t>
+              <a:t>5/3/17</a:t>
             </a:fld>
             <a:endParaRPr lang="en-US"/>
           </a:p>
@@ -1343,7 +1344,7 @@
           <a:p>
             <a:fld id="{3D15C72F-0BC4-3746-8686-2093721CBB78}" type="datetimeFigureOut">
               <a:rPr lang="en-US" smtClean="0"/>
-              <a:t>4/19/17</a:t>
+              <a:t>5/3/17</a:t>
             </a:fld>
             <a:endParaRPr lang="en-US"/>
           </a:p>
@@ -1765,7 +1766,7 @@
           <a:p>
             <a:fld id="{3D15C72F-0BC4-3746-8686-2093721CBB78}" type="datetimeFigureOut">
               <a:rPr lang="en-US" smtClean="0"/>
-              <a:t>4/19/17</a:t>
+              <a:t>5/3/17</a:t>
             </a:fld>
             <a:endParaRPr lang="en-US"/>
           </a:p>
@@ -1883,7 +1884,7 @@
           <a:p>
             <a:fld id="{3D15C72F-0BC4-3746-8686-2093721CBB78}" type="datetimeFigureOut">
               <a:rPr lang="en-US" smtClean="0"/>
-              <a:t>4/19/17</a:t>
+              <a:t>5/3/17</a:t>
             </a:fld>
             <a:endParaRPr lang="en-US"/>
           </a:p>
@@ -1978,7 +1979,7 @@
           <a:p>
             <a:fld id="{3D15C72F-0BC4-3746-8686-2093721CBB78}" type="datetimeFigureOut">
               <a:rPr lang="en-US" smtClean="0"/>
-              <a:t>4/19/17</a:t>
+              <a:t>5/3/17</a:t>
             </a:fld>
             <a:endParaRPr lang="en-US"/>
           </a:p>
@@ -2255,7 +2256,7 @@
           <a:p>
             <a:fld id="{3D15C72F-0BC4-3746-8686-2093721CBB78}" type="datetimeFigureOut">
               <a:rPr lang="en-US" smtClean="0"/>
-              <a:t>4/19/17</a:t>
+              <a:t>5/3/17</a:t>
             </a:fld>
             <a:endParaRPr lang="en-US"/>
           </a:p>
@@ -2508,7 +2509,7 @@
           <a:p>
             <a:fld id="{3D15C72F-0BC4-3746-8686-2093721CBB78}" type="datetimeFigureOut">
               <a:rPr lang="en-US" smtClean="0"/>
-              <a:t>4/19/17</a:t>
+              <a:t>5/3/17</a:t>
             </a:fld>
             <a:endParaRPr lang="en-US"/>
           </a:p>
@@ -2721,7 +2722,7 @@
           <a:p>
             <a:fld id="{3D15C72F-0BC4-3746-8686-2093721CBB78}" type="datetimeFigureOut">
               <a:rPr lang="en-US" smtClean="0"/>
-              <a:t>4/19/17</a:t>
+              <a:t>5/3/17</a:t>
             </a:fld>
             <a:endParaRPr lang="en-US"/>
           </a:p>
@@ -3326,6 +3327,82 @@
     <p:extLst>
       <p:ext uri="{BB962C8B-B14F-4D97-AF65-F5344CB8AC3E}">
         <p14:creationId xmlns:p14="http://schemas.microsoft.com/office/powerpoint/2010/main" val="1647252601"/>
+      </p:ext>
+    </p:extLst>
+  </p:cSld>
+  <p:clrMapOvr>
+    <a:masterClrMapping/>
+  </p:clrMapOvr>
+</p:sld>
+</file>
+
+<file path=ppt/slides/slide3.xml><?xml version="1.0" encoding="utf-8"?>
+<p:sld xmlns:a="http://schemas.openxmlformats.org/drawingml/2006/main" xmlns:r="http://schemas.openxmlformats.org/officeDocument/2006/relationships" xmlns:p="http://schemas.openxmlformats.org/presentationml/2006/main">
+  <p:cSld>
+    <p:spTree>
+      <p:nvGrpSpPr>
+        <p:cNvPr id="1" name=""/>
+        <p:cNvGrpSpPr/>
+        <p:nvPr/>
+      </p:nvGrpSpPr>
+      <p:grpSpPr>
+        <a:xfrm>
+          <a:off x="0" y="0"/>
+          <a:ext cx="0" cy="0"/>
+          <a:chOff x="0" y="0"/>
+          <a:chExt cx="0" cy="0"/>
+        </a:xfrm>
+      </p:grpSpPr>
+      <p:pic>
+        <p:nvPicPr>
+          <p:cNvPr id="2" name="Picture 1"/>
+          <p:cNvPicPr>
+            <a:picLocks noChangeAspect="1"/>
+          </p:cNvPicPr>
+          <p:nvPr/>
+        </p:nvPicPr>
+        <p:blipFill rotWithShape="1">
+          <a:blip r:embed="rId2"/>
+          <a:srcRect l="-968" t="-7398" r="71467" b="7398"/>
+          <a:stretch/>
+        </p:blipFill>
+        <p:spPr>
+          <a:xfrm>
+            <a:off x="2755535" y="2084933"/>
+            <a:ext cx="2433040" cy="840154"/>
+          </a:xfrm>
+          <a:prstGeom prst="rect">
+            <a:avLst/>
+          </a:prstGeom>
+        </p:spPr>
+      </p:pic>
+      <p:pic>
+        <p:nvPicPr>
+          <p:cNvPr id="4" name="Picture 3"/>
+          <p:cNvPicPr>
+            <a:picLocks noChangeAspect="1"/>
+          </p:cNvPicPr>
+          <p:nvPr/>
+        </p:nvPicPr>
+        <p:blipFill rotWithShape="1">
+          <a:blip r:embed="rId2"/>
+          <a:srcRect l="29881"/>
+          <a:stretch/>
+        </p:blipFill>
+        <p:spPr>
+          <a:xfrm>
+            <a:off x="1811570" y="2925087"/>
+            <a:ext cx="4430471" cy="717418"/>
+          </a:xfrm>
+          <a:prstGeom prst="rect">
+            <a:avLst/>
+          </a:prstGeom>
+        </p:spPr>
+      </p:pic>
+    </p:spTree>
+    <p:extLst>
+      <p:ext uri="{BB962C8B-B14F-4D97-AF65-F5344CB8AC3E}">
+        <p14:creationId xmlns:p14="http://schemas.microsoft.com/office/powerpoint/2010/main" val="4147545024"/>
       </p:ext>
     </p:extLst>
   </p:cSld>
